--- a/Presentation/Date Night.pptx
+++ b/Presentation/Date Night.pptx
@@ -5,27 +5,28 @@
     <p:sldMasterId id="2147483648" r:id="rId1"/>
   </p:sldMasterIdLst>
   <p:notesMasterIdLst>
-    <p:notesMasterId r:id="rId12"/>
+    <p:notesMasterId r:id="rId13"/>
   </p:notesMasterIdLst>
   <p:handoutMasterIdLst>
-    <p:handoutMasterId r:id="rId13"/>
+    <p:handoutMasterId r:id="rId14"/>
   </p:handoutMasterIdLst>
   <p:sldIdLst>
     <p:sldId id="265" r:id="rId2"/>
-    <p:sldId id="310" r:id="rId3"/>
-    <p:sldId id="320" r:id="rId4"/>
-    <p:sldId id="322" r:id="rId5"/>
-    <p:sldId id="321" r:id="rId6"/>
-    <p:sldId id="323" r:id="rId7"/>
-    <p:sldId id="324" r:id="rId8"/>
-    <p:sldId id="327" r:id="rId9"/>
-    <p:sldId id="325" r:id="rId10"/>
-    <p:sldId id="326" r:id="rId11"/>
+    <p:sldId id="328" r:id="rId3"/>
+    <p:sldId id="310" r:id="rId4"/>
+    <p:sldId id="320" r:id="rId5"/>
+    <p:sldId id="322" r:id="rId6"/>
+    <p:sldId id="321" r:id="rId7"/>
+    <p:sldId id="323" r:id="rId8"/>
+    <p:sldId id="324" r:id="rId9"/>
+    <p:sldId id="327" r:id="rId10"/>
+    <p:sldId id="325" r:id="rId11"/>
+    <p:sldId id="326" r:id="rId12"/>
   </p:sldIdLst>
   <p:sldSz cx="12188825" cy="6858000"/>
   <p:notesSz cx="6858000" cy="9144000"/>
   <p:custDataLst>
-    <p:tags r:id="rId14"/>
+    <p:tags r:id="rId15"/>
   </p:custDataLst>
   <p:defaultTextStyle>
     <a:defPPr>
@@ -226,7 +227,7 @@
           <a:p>
             <a:fld id="{59088EAF-6ECA-4616-85EF-35AA19C641F3}" type="datetimeFigureOut">
               <a:rPr lang="en-US"/>
-              <a:t>11/3/2020</a:t>
+              <a:t>11/4/2020</a:t>
             </a:fld>
             <a:endParaRPr/>
           </a:p>
@@ -391,7 +392,7 @@
           <a:p>
             <a:fld id="{3ABD2D7A-D230-4F91-BD59-0A39C2703BA8}" type="datetimeFigureOut">
               <a:rPr lang="en-US"/>
-              <a:t>11/3/2020</a:t>
+              <a:t>11/4/2020</a:t>
             </a:fld>
             <a:endParaRPr/>
           </a:p>
@@ -1000,7 +1001,7 @@
           <a:p>
             <a:fld id="{03F41C87-7AD9-4845-A077-840E4A0F3F06}" type="datetimeFigureOut">
               <a:rPr lang="en-US"/>
-              <a:t>11/3/2020</a:t>
+              <a:t>11/4/2020</a:t>
             </a:fld>
             <a:endParaRPr/>
           </a:p>
@@ -1192,7 +1193,7 @@
           <a:p>
             <a:fld id="{03F41C87-7AD9-4845-A077-840E4A0F3F06}" type="datetimeFigureOut">
               <a:rPr lang="en-US"/>
-              <a:t>11/3/2020</a:t>
+              <a:t>11/4/2020</a:t>
             </a:fld>
             <a:endParaRPr/>
           </a:p>
@@ -1381,7 +1382,7 @@
           <a:p>
             <a:fld id="{03F41C87-7AD9-4845-A077-840E4A0F3F06}" type="datetimeFigureOut">
               <a:rPr lang="en-US"/>
-              <a:t>11/3/2020</a:t>
+              <a:t>11/4/2020</a:t>
             </a:fld>
             <a:endParaRPr/>
           </a:p>
@@ -1661,7 +1662,7 @@
           <a:p>
             <a:fld id="{03F41C87-7AD9-4845-A077-840E4A0F3F06}" type="datetimeFigureOut">
               <a:rPr lang="en-US"/>
-              <a:t>11/3/2020</a:t>
+              <a:t>11/4/2020</a:t>
             </a:fld>
             <a:endParaRPr/>
           </a:p>
@@ -1965,7 +1966,7 @@
           <a:p>
             <a:fld id="{03F41C87-7AD9-4845-A077-840E4A0F3F06}" type="datetimeFigureOut">
               <a:rPr lang="en-US"/>
-              <a:t>11/3/2020</a:t>
+              <a:t>11/4/2020</a:t>
             </a:fld>
             <a:endParaRPr/>
           </a:p>
@@ -2421,7 +2422,7 @@
           <a:p>
             <a:fld id="{03F41C87-7AD9-4845-A077-840E4A0F3F06}" type="datetimeFigureOut">
               <a:rPr lang="en-US"/>
-              <a:t>11/3/2020</a:t>
+              <a:t>11/4/2020</a:t>
             </a:fld>
             <a:endParaRPr/>
           </a:p>
@@ -2551,7 +2552,7 @@
           <a:p>
             <a:fld id="{03F41C87-7AD9-4845-A077-840E4A0F3F06}" type="datetimeFigureOut">
               <a:rPr lang="en-US"/>
-              <a:t>11/3/2020</a:t>
+              <a:t>11/4/2020</a:t>
             </a:fld>
             <a:endParaRPr/>
           </a:p>
@@ -2666,7 +2667,7 @@
           <a:p>
             <a:fld id="{03F41C87-7AD9-4845-A077-840E4A0F3F06}" type="datetimeFigureOut">
               <a:rPr lang="en-US"/>
-              <a:t>11/3/2020</a:t>
+              <a:t>11/4/2020</a:t>
             </a:fld>
             <a:endParaRPr/>
           </a:p>
@@ -2988,7 +2989,7 @@
           <a:p>
             <a:fld id="{03F41C87-7AD9-4845-A077-840E4A0F3F06}" type="datetimeFigureOut">
               <a:rPr lang="en-US"/>
-              <a:t>11/3/2020</a:t>
+              <a:t>11/4/2020</a:t>
             </a:fld>
             <a:endParaRPr/>
           </a:p>
@@ -3300,7 +3301,7 @@
             <a:fld id="{03F41C87-7AD9-4845-A077-840E4A0F3F06}" type="datetimeFigureOut">
               <a:rPr lang="en-US"/>
               <a:pPr/>
-              <a:t>11/3/2020</a:t>
+              <a:t>11/4/2020</a:t>
             </a:fld>
             <a:endParaRPr/>
           </a:p>
@@ -3554,7 +3555,7 @@
             <a:fld id="{03F41C87-7AD9-4845-A077-840E4A0F3F06}" type="datetimeFigureOut">
               <a:rPr lang="en-US" smtClean="0"/>
               <a:pPr/>
-              <a:t>11/3/2020</a:t>
+              <a:t>11/4/2020</a:t>
             </a:fld>
             <a:endParaRPr lang="en-US"/>
           </a:p>
@@ -4082,6 +4083,78 @@
             <a:pPr algn="ctr"/>
             <a:r>
               <a:rPr lang="en-US" sz="5400" dirty="0"/>
+              <a:t>Questions?</a:t>
+            </a:r>
+          </a:p>
+        </p:txBody>
+      </p:sp>
+    </p:spTree>
+    <p:extLst>
+      <p:ext uri="{BB962C8B-B14F-4D97-AF65-F5344CB8AC3E}">
+        <p14:creationId xmlns:p14="http://schemas.microsoft.com/office/powerpoint/2010/main" val="2792470886"/>
+      </p:ext>
+    </p:extLst>
+  </p:cSld>
+  <p:clrMapOvr>
+    <a:masterClrMapping/>
+  </p:clrMapOvr>
+  <mc:AlternateContent xmlns:mc="http://schemas.openxmlformats.org/markup-compatibility/2006" xmlns:p14="http://schemas.microsoft.com/office/powerpoint/2010/main">
+    <mc:Choice Requires="p14">
+      <p:transition spd="med" p14:dur="700">
+        <p:fade/>
+      </p:transition>
+    </mc:Choice>
+    <mc:Fallback xmlns="">
+      <p:transition spd="med">
+        <p:fade/>
+      </p:transition>
+    </mc:Fallback>
+  </mc:AlternateContent>
+</p:sld>
+</file>
+
+<file path=ppt/slides/slide11.xml><?xml version="1.0" encoding="utf-8"?>
+<p:sld xmlns:a="http://schemas.openxmlformats.org/drawingml/2006/main" xmlns:r="http://schemas.openxmlformats.org/officeDocument/2006/relationships" xmlns:p="http://schemas.openxmlformats.org/presentationml/2006/main">
+  <p:cSld>
+    <p:spTree>
+      <p:nvGrpSpPr>
+        <p:cNvPr id="1" name=""/>
+        <p:cNvGrpSpPr/>
+        <p:nvPr/>
+      </p:nvGrpSpPr>
+      <p:grpSpPr>
+        <a:xfrm>
+          <a:off x="0" y="0"/>
+          <a:ext cx="0" cy="0"/>
+          <a:chOff x="0" y="0"/>
+          <a:chExt cx="0" cy="0"/>
+        </a:xfrm>
+      </p:grpSpPr>
+      <p:sp>
+        <p:nvSpPr>
+          <p:cNvPr id="13" name="Title 12"/>
+          <p:cNvSpPr>
+            <a:spLocks noGrp="1"/>
+          </p:cNvSpPr>
+          <p:nvPr>
+            <p:ph type="title"/>
+          </p:nvPr>
+        </p:nvSpPr>
+        <p:spPr>
+          <a:xfrm>
+            <a:off x="608012" y="2362200"/>
+            <a:ext cx="10896600" cy="1371600"/>
+          </a:xfrm>
+        </p:spPr>
+        <p:txBody>
+          <a:bodyPr>
+            <a:normAutofit/>
+          </a:bodyPr>
+          <a:lstStyle/>
+          <a:p>
+            <a:pPr algn="ctr"/>
+            <a:r>
+              <a:rPr lang="en-US" sz="5400" dirty="0"/>
               <a:t>Thank you!</a:t>
             </a:r>
           </a:p>
@@ -4129,66 +4202,45 @@
           <a:chExt cx="0" cy="0"/>
         </a:xfrm>
       </p:grpSpPr>
-      <p:sp>
-        <p:nvSpPr>
-          <p:cNvPr id="13" name="Title 12"/>
-          <p:cNvSpPr>
-            <a:spLocks noGrp="1"/>
-          </p:cNvSpPr>
-          <p:nvPr>
-            <p:ph type="title"/>
-          </p:nvPr>
-        </p:nvSpPr>
-        <p:spPr/>
-        <p:txBody>
-          <a:bodyPr/>
-          <a:lstStyle/>
-          <a:p>
-            <a:r>
-              <a:rPr lang="en-US" dirty="0"/>
-              <a:t>Date Night in 30 Seconds…</a:t>
-            </a:r>
-          </a:p>
-        </p:txBody>
-      </p:sp>
-      <p:sp>
-        <p:nvSpPr>
-          <p:cNvPr id="14" name="Content Placeholder 13"/>
-          <p:cNvSpPr>
-            <a:spLocks noGrp="1"/>
-          </p:cNvSpPr>
-          <p:nvPr>
-            <p:ph idx="1"/>
-          </p:nvPr>
-        </p:nvSpPr>
-        <p:spPr/>
-        <p:txBody>
-          <a:bodyPr/>
-          <a:lstStyle/>
-          <a:p>
-            <a:pPr marL="0" indent="0">
-              <a:buNone/>
-            </a:pPr>
-            <a:r>
-              <a:rPr lang="en-US" dirty="0"/>
-              <a:t>It’s Thursday, and you need a quick way to find something to do for the weekend.  Answer – Date Night!  With just one search, see restaurants, activities, events and even the weather.</a:t>
-            </a:r>
-          </a:p>
-          <a:p>
-            <a:pPr marL="0" indent="0">
-              <a:buNone/>
-            </a:pPr>
-            <a:r>
-              <a:rPr lang="en-US" dirty="0"/>
-              <a:t>Links are provided to further explore any of items you see to get further details.</a:t>
-            </a:r>
-          </a:p>
-        </p:txBody>
-      </p:sp>
+      <p:pic>
+        <p:nvPicPr>
+          <p:cNvPr id="7" name="Picture 6">
+            <a:extLst>
+              <a:ext uri="{FF2B5EF4-FFF2-40B4-BE49-F238E27FC236}">
+                <a16:creationId xmlns:a16="http://schemas.microsoft.com/office/drawing/2014/main" id="{68F0FB81-666F-4837-96FE-B42C2B085CBB}"/>
+              </a:ext>
+            </a:extLst>
+          </p:cNvPr>
+          <p:cNvPicPr>
+            <a:picLocks noChangeAspect="1"/>
+          </p:cNvPicPr>
+          <p:nvPr/>
+        </p:nvPicPr>
+        <p:blipFill rotWithShape="1">
+          <a:blip r:embed="rId2">
+            <a:extLst>
+              <a:ext uri="{28A0092B-C50C-407E-A947-70E740481C1C}">
+                <a14:useLocalDpi xmlns:a14="http://schemas.microsoft.com/office/drawing/2010/main" val="0"/>
+              </a:ext>
+            </a:extLst>
+          </a:blip>
+          <a:srcRect r="70630"/>
+          <a:stretch/>
+        </p:blipFill>
+        <p:spPr>
+          <a:xfrm>
+            <a:off x="2894012" y="154172"/>
+            <a:ext cx="6400800" cy="6549656"/>
+          </a:xfrm>
+          <a:prstGeom prst="rect">
+            <a:avLst/>
+          </a:prstGeom>
+        </p:spPr>
+      </p:pic>
     </p:spTree>
     <p:extLst>
       <p:ext uri="{BB962C8B-B14F-4D97-AF65-F5344CB8AC3E}">
-        <p14:creationId xmlns:p14="http://schemas.microsoft.com/office/powerpoint/2010/main" val="2139132589"/>
+        <p14:creationId xmlns:p14="http://schemas.microsoft.com/office/powerpoint/2010/main" val="3722817698"/>
       </p:ext>
     </p:extLst>
   </p:cSld>
@@ -4237,19 +4289,14 @@
             <p:ph type="title"/>
           </p:nvPr>
         </p:nvSpPr>
-        <p:spPr>
-          <a:xfrm>
-            <a:off x="1522413" y="304800"/>
-            <a:ext cx="9144001" cy="762000"/>
-          </a:xfrm>
-        </p:spPr>
+        <p:spPr/>
         <p:txBody>
           <a:bodyPr/>
           <a:lstStyle/>
           <a:p>
             <a:r>
               <a:rPr lang="en-US" dirty="0"/>
-              <a:t>Concept</a:t>
+              <a:t>Date Night in 30 Seconds…</a:t>
             </a:r>
           </a:p>
         </p:txBody>
@@ -4264,64 +4311,34 @@
             <p:ph idx="1"/>
           </p:nvPr>
         </p:nvSpPr>
-        <p:spPr>
-          <a:xfrm>
-            <a:off x="1522413" y="1219200"/>
-            <a:ext cx="9134391" cy="5029200"/>
-          </a:xfrm>
-        </p:spPr>
+        <p:spPr/>
         <p:txBody>
           <a:bodyPr/>
           <a:lstStyle/>
           <a:p>
+            <a:pPr marL="0" indent="0">
+              <a:buNone/>
+            </a:pPr>
             <a:r>
               <a:rPr lang="en-US" dirty="0"/>
-              <a:t>Description</a:t>
-            </a:r>
-          </a:p>
-          <a:p>
-            <a:pPr lvl="1"/>
+              <a:t>It’s Thursday, and you need a quick way to find something to do for the weekend.  Answer – Date Night!  With just one search, see restaurants, activities, events and even the weather.</a:t>
+            </a:r>
+          </a:p>
+          <a:p>
+            <a:pPr marL="0" indent="0">
+              <a:buNone/>
+            </a:pPr>
             <a:r>
               <a:rPr lang="en-US" dirty="0"/>
-              <a:t>Date Night is a simple web tool that is a personal assistant that uses external APIs to collect information on weather, events, activities and restaurants and presents on a single page.</a:t>
-            </a:r>
-          </a:p>
-          <a:p>
-            <a:r>
-              <a:rPr lang="en-US" dirty="0"/>
-              <a:t>Motivation</a:t>
-            </a:r>
-          </a:p>
-          <a:p>
-            <a:pPr lvl="1"/>
-            <a:r>
-              <a:rPr lang="en-US" dirty="0"/>
-              <a:t>Besides being a requirement for graduation, G Dog and the Coding Ninjas thought there is not a simple tool out there to quickly gather all these resources and present to a user in a clean, consolidated format.  </a:t>
-            </a:r>
-          </a:p>
-          <a:p>
-            <a:r>
-              <a:rPr lang="en-US" dirty="0"/>
-              <a:t>User Story</a:t>
-            </a:r>
-          </a:p>
-          <a:p>
-            <a:pPr lvl="1"/>
-            <a:r>
-              <a:rPr lang="en-US" dirty="0"/>
-              <a:t>A user enters a US location and is provided with a summary of weather, restaurants, activities and events.  </a:t>
-            </a:r>
-          </a:p>
-          <a:p>
-            <a:pPr lvl="1"/>
-            <a:endParaRPr lang="en-US" dirty="0"/>
+              <a:t>Links are provided to further explore any of items you see to get further details.</a:t>
+            </a:r>
           </a:p>
         </p:txBody>
       </p:sp>
     </p:spTree>
     <p:extLst>
       <p:ext uri="{BB962C8B-B14F-4D97-AF65-F5344CB8AC3E}">
-        <p14:creationId xmlns:p14="http://schemas.microsoft.com/office/powerpoint/2010/main" val="2521447788"/>
+        <p14:creationId xmlns:p14="http://schemas.microsoft.com/office/powerpoint/2010/main" val="2139132589"/>
       </p:ext>
     </p:extLst>
   </p:cSld>
@@ -4382,7 +4399,7 @@
           <a:p>
             <a:r>
               <a:rPr lang="en-US" dirty="0"/>
-              <a:t>Process</a:t>
+              <a:t>Concept</a:t>
             </a:r>
           </a:p>
         </p:txBody>
@@ -4404,106 +4421,45 @@
           </a:xfrm>
         </p:spPr>
         <p:txBody>
-          <a:bodyPr>
-            <a:normAutofit fontScale="85000" lnSpcReduction="20000"/>
-          </a:bodyPr>
+          <a:bodyPr/>
           <a:lstStyle/>
           <a:p>
             <a:r>
               <a:rPr lang="en-US" dirty="0"/>
-              <a:t>Challenges</a:t>
+              <a:t>Description</a:t>
             </a:r>
           </a:p>
           <a:p>
             <a:pPr lvl="1"/>
             <a:r>
               <a:rPr lang="en-US" dirty="0"/>
-              <a:t>HTML</a:t>
+              <a:t>Date Night is a simple web tool that is a personal assistant that uses external APIs to collect information on weather, events, activities and restaurants and presents on a single page.</a:t>
+            </a:r>
+          </a:p>
+          <a:p>
+            <a:r>
+              <a:rPr lang="en-US" dirty="0"/>
+              <a:t>Motivation</a:t>
             </a:r>
           </a:p>
           <a:p>
             <a:pPr lvl="1"/>
             <a:r>
               <a:rPr lang="en-US" dirty="0"/>
-              <a:t>JavaScript</a:t>
+              <a:t>Besides being a requirement for graduation, G Dog and the Coding Ninjas thought there is not a simple tool out there to quickly gather all these resources and present to a user in a clean, consolidated format.  </a:t>
+            </a:r>
+          </a:p>
+          <a:p>
+            <a:r>
+              <a:rPr lang="en-US" dirty="0"/>
+              <a:t>User Story</a:t>
             </a:r>
           </a:p>
           <a:p>
             <a:pPr lvl="1"/>
             <a:r>
-              <a:rPr lang="en-US" dirty="0" err="1"/>
-              <a:t>AJax</a:t>
-            </a:r>
-            <a:endParaRPr lang="en-US" dirty="0"/>
-          </a:p>
-          <a:p>
-            <a:pPr lvl="1"/>
-            <a:r>
               <a:rPr lang="en-US" dirty="0"/>
-              <a:t>jQuery</a:t>
-            </a:r>
-          </a:p>
-          <a:p>
-            <a:pPr lvl="1"/>
-            <a:r>
-              <a:rPr lang="en-US" dirty="0"/>
-              <a:t>Materialize</a:t>
-            </a:r>
-          </a:p>
-          <a:p>
-            <a:pPr lvl="1"/>
-            <a:r>
-              <a:rPr lang="en-US" dirty="0" err="1"/>
-              <a:t>Unsplash</a:t>
-            </a:r>
-            <a:endParaRPr lang="en-US" dirty="0"/>
-          </a:p>
-          <a:p>
-            <a:pPr lvl="1"/>
-            <a:r>
-              <a:rPr lang="en-US" dirty="0"/>
-              <a:t>Google Fonts</a:t>
-            </a:r>
-          </a:p>
-          <a:p>
-            <a:r>
-              <a:rPr lang="en-US" dirty="0"/>
-              <a:t>Breakdown of Tasks / Roles</a:t>
-            </a:r>
-          </a:p>
-          <a:p>
-            <a:pPr lvl="1"/>
-            <a:r>
-              <a:rPr lang="en-US" dirty="0"/>
-              <a:t>Front-end:  Denise, Sean, Dexter</a:t>
-            </a:r>
-          </a:p>
-          <a:p>
-            <a:pPr lvl="1"/>
-            <a:r>
-              <a:rPr lang="en-US" dirty="0"/>
-              <a:t>Back-end:  Donna, Rich, Greg</a:t>
-            </a:r>
-          </a:p>
-          <a:p>
-            <a:pPr lvl="1"/>
-            <a:r>
-              <a:rPr lang="en-US" dirty="0"/>
-              <a:t>Issue Tracking and Tasks:  Donna, Dexter, Greg</a:t>
-            </a:r>
-          </a:p>
-          <a:p>
-            <a:pPr lvl="1"/>
-            <a:r>
-              <a:rPr lang="en-US" dirty="0"/>
-              <a:t>Project Manager:  Greg</a:t>
-            </a:r>
-          </a:p>
-          <a:p>
-            <a:pPr lvl="1"/>
-            <a:r>
-              <a:rPr lang="en-US" dirty="0"/>
-              <a:t>Testing:  G Dog and the Coding Ninjas</a:t>
+              <a:t>A user enters a US location and is provided with a summary of weather, restaurants, activities and events.  </a:t>
             </a:r>
           </a:p>
           <a:p>
@@ -4515,7 +4471,7 @@
     </p:spTree>
     <p:extLst>
       <p:ext uri="{BB962C8B-B14F-4D97-AF65-F5344CB8AC3E}">
-        <p14:creationId xmlns:p14="http://schemas.microsoft.com/office/powerpoint/2010/main" val="1694356483"/>
+        <p14:creationId xmlns:p14="http://schemas.microsoft.com/office/powerpoint/2010/main" val="2521447788"/>
       </p:ext>
     </p:extLst>
   </p:cSld>
@@ -4576,7 +4532,7 @@
           <a:p>
             <a:r>
               <a:rPr lang="en-US" dirty="0"/>
-              <a:t>Process (continued)</a:t>
+              <a:t>Process</a:t>
             </a:r>
           </a:p>
         </p:txBody>
@@ -4599,7 +4555,7 @@
         </p:spPr>
         <p:txBody>
           <a:bodyPr>
-            <a:normAutofit/>
+            <a:normAutofit fontScale="85000" lnSpcReduction="20000"/>
           </a:bodyPr>
           <a:lstStyle/>
           <a:p>
@@ -4612,34 +4568,92 @@
             <a:pPr lvl="1"/>
             <a:r>
               <a:rPr lang="en-US" dirty="0"/>
-              <a:t>Learning Materialize</a:t>
+              <a:t>HTML</a:t>
             </a:r>
           </a:p>
           <a:p>
             <a:pPr lvl="1"/>
             <a:r>
               <a:rPr lang="en-US" dirty="0"/>
-              <a:t>Yelp API use</a:t>
-            </a:r>
-          </a:p>
-          <a:p>
+              <a:t>JavaScript</a:t>
+            </a:r>
+          </a:p>
+          <a:p>
+            <a:pPr lvl="1"/>
+            <a:r>
+              <a:rPr lang="en-US" dirty="0" err="1"/>
+              <a:t>AJax</a:t>
+            </a:r>
+            <a:endParaRPr lang="en-US" dirty="0"/>
+          </a:p>
+          <a:p>
+            <a:pPr lvl="1"/>
             <a:r>
               <a:rPr lang="en-US" dirty="0"/>
-              <a:t>Successes</a:t>
+              <a:t>jQuery</a:t>
             </a:r>
           </a:p>
           <a:p>
             <a:pPr lvl="1"/>
             <a:r>
               <a:rPr lang="en-US" dirty="0"/>
-              <a:t>Great teamwork.  Everyone contributed well.  Great communication.</a:t>
+              <a:t>Materialize</a:t>
             </a:r>
           </a:p>
           <a:p>
             <a:pPr lvl="1"/>
             <a:r>
+              <a:rPr lang="en-US" dirty="0" err="1"/>
+              <a:t>Unsplash</a:t>
+            </a:r>
+            <a:endParaRPr lang="en-US" dirty="0"/>
+          </a:p>
+          <a:p>
+            <a:pPr lvl="1"/>
+            <a:r>
               <a:rPr lang="en-US" dirty="0"/>
-              <a:t>Scrum meeting earlier in the day, followed by a working meeting with breakouts leveraged by front-end and back-end teams.</a:t>
+              <a:t>Google Fonts</a:t>
+            </a:r>
+          </a:p>
+          <a:p>
+            <a:r>
+              <a:rPr lang="en-US" dirty="0"/>
+              <a:t>Breakdown of Tasks / Roles</a:t>
+            </a:r>
+          </a:p>
+          <a:p>
+            <a:pPr lvl="1"/>
+            <a:r>
+              <a:rPr lang="en-US" dirty="0"/>
+              <a:t>Front-end:  Denise, Sean, Dexter</a:t>
+            </a:r>
+          </a:p>
+          <a:p>
+            <a:pPr lvl="1"/>
+            <a:r>
+              <a:rPr lang="en-US" dirty="0"/>
+              <a:t>Back-end:  Donna, Rich, Greg</a:t>
+            </a:r>
+          </a:p>
+          <a:p>
+            <a:pPr lvl="1"/>
+            <a:r>
+              <a:rPr lang="en-US" dirty="0"/>
+              <a:t>Issue Tracking and Tasks:  Donna, Dexter, Greg</a:t>
+            </a:r>
+          </a:p>
+          <a:p>
+            <a:pPr lvl="1"/>
+            <a:r>
+              <a:rPr lang="en-US" dirty="0"/>
+              <a:t>Project Manager:  Greg</a:t>
+            </a:r>
+          </a:p>
+          <a:p>
+            <a:pPr lvl="1"/>
+            <a:r>
+              <a:rPr lang="en-US" dirty="0"/>
+              <a:t>Testing:  G Dog and the Coding Ninjas</a:t>
             </a:r>
           </a:p>
           <a:p>
@@ -4651,7 +4665,7 @@
     </p:spTree>
     <p:extLst>
       <p:ext uri="{BB962C8B-B14F-4D97-AF65-F5344CB8AC3E}">
-        <p14:creationId xmlns:p14="http://schemas.microsoft.com/office/powerpoint/2010/main" val="3993297212"/>
+        <p14:creationId xmlns:p14="http://schemas.microsoft.com/office/powerpoint/2010/main" val="1694356483"/>
       </p:ext>
     </p:extLst>
   </p:cSld>
@@ -4702,8 +4716,35 @@
         </p:nvSpPr>
         <p:spPr>
           <a:xfrm>
-            <a:off x="608012" y="2362200"/>
-            <a:ext cx="10896600" cy="1371600"/>
+            <a:off x="1522413" y="304800"/>
+            <a:ext cx="9144001" cy="762000"/>
+          </a:xfrm>
+        </p:spPr>
+        <p:txBody>
+          <a:bodyPr/>
+          <a:lstStyle/>
+          <a:p>
+            <a:r>
+              <a:rPr lang="en-US" dirty="0"/>
+              <a:t>Process (continued)</a:t>
+            </a:r>
+          </a:p>
+        </p:txBody>
+      </p:sp>
+      <p:sp>
+        <p:nvSpPr>
+          <p:cNvPr id="14" name="Content Placeholder 13"/>
+          <p:cNvSpPr>
+            <a:spLocks noGrp="1"/>
+          </p:cNvSpPr>
+          <p:nvPr>
+            <p:ph idx="1"/>
+          </p:nvPr>
+        </p:nvSpPr>
+        <p:spPr>
+          <a:xfrm>
+            <a:off x="1522413" y="1219200"/>
+            <a:ext cx="9134391" cy="5029200"/>
           </a:xfrm>
         </p:spPr>
         <p:txBody>
@@ -4712,18 +4753,55 @@
           </a:bodyPr>
           <a:lstStyle/>
           <a:p>
-            <a:pPr algn="ctr"/>
-            <a:r>
-              <a:rPr lang="en-US" sz="5400" dirty="0"/>
-              <a:t>A Demo of Date Night</a:t>
-            </a:r>
+            <a:r>
+              <a:rPr lang="en-US" dirty="0"/>
+              <a:t>Challenges</a:t>
+            </a:r>
+          </a:p>
+          <a:p>
+            <a:pPr lvl="1"/>
+            <a:r>
+              <a:rPr lang="en-US" dirty="0"/>
+              <a:t>Learning Materialize</a:t>
+            </a:r>
+          </a:p>
+          <a:p>
+            <a:pPr lvl="1"/>
+            <a:r>
+              <a:rPr lang="en-US" dirty="0"/>
+              <a:t>Yelp API use</a:t>
+            </a:r>
+          </a:p>
+          <a:p>
+            <a:r>
+              <a:rPr lang="en-US" dirty="0"/>
+              <a:t>Successes</a:t>
+            </a:r>
+          </a:p>
+          <a:p>
+            <a:pPr lvl="1"/>
+            <a:r>
+              <a:rPr lang="en-US" dirty="0"/>
+              <a:t>Great teamwork.  Everyone contributed well.  Great communication.</a:t>
+            </a:r>
+          </a:p>
+          <a:p>
+            <a:pPr lvl="1"/>
+            <a:r>
+              <a:rPr lang="en-US" dirty="0"/>
+              <a:t>Scrum meeting earlier in the day, followed by a working meeting with breakouts leveraged by front-end and back-end teams.</a:t>
+            </a:r>
+          </a:p>
+          <a:p>
+            <a:pPr lvl="1"/>
+            <a:endParaRPr lang="en-US" dirty="0"/>
           </a:p>
         </p:txBody>
       </p:sp>
     </p:spTree>
     <p:extLst>
       <p:ext uri="{BB962C8B-B14F-4D97-AF65-F5344CB8AC3E}">
-        <p14:creationId xmlns:p14="http://schemas.microsoft.com/office/powerpoint/2010/main" val="3281443286"/>
+        <p14:creationId xmlns:p14="http://schemas.microsoft.com/office/powerpoint/2010/main" val="3993297212"/>
       </p:ext>
     </p:extLst>
   </p:cSld>
@@ -4774,35 +4852,8 @@
         </p:nvSpPr>
         <p:spPr>
           <a:xfrm>
-            <a:off x="1522413" y="304800"/>
-            <a:ext cx="9144001" cy="762000"/>
-          </a:xfrm>
-        </p:spPr>
-        <p:txBody>
-          <a:bodyPr/>
-          <a:lstStyle/>
-          <a:p>
-            <a:r>
-              <a:rPr lang="en-US" dirty="0"/>
-              <a:t>Directions for Future Development</a:t>
-            </a:r>
-          </a:p>
-        </p:txBody>
-      </p:sp>
-      <p:sp>
-        <p:nvSpPr>
-          <p:cNvPr id="14" name="Content Placeholder 13"/>
-          <p:cNvSpPr>
-            <a:spLocks noGrp="1"/>
-          </p:cNvSpPr>
-          <p:nvPr>
-            <p:ph idx="1"/>
-          </p:nvPr>
-        </p:nvSpPr>
-        <p:spPr>
-          <a:xfrm>
-            <a:off x="1522413" y="1219200"/>
-            <a:ext cx="9134391" cy="5029200"/>
+            <a:off x="608012" y="2362200"/>
+            <a:ext cx="10896600" cy="1371600"/>
           </a:xfrm>
         </p:spPr>
         <p:txBody>
@@ -4811,61 +4862,18 @@
           </a:bodyPr>
           <a:lstStyle/>
           <a:p>
-            <a:r>
-              <a:rPr lang="en-US" dirty="0"/>
-              <a:t>Formatting Clean-up</a:t>
-            </a:r>
-          </a:p>
-          <a:p>
-            <a:r>
-              <a:rPr lang="en-US" dirty="0"/>
-              <a:t>Add Categories to allow filtering events, activities, restaurants</a:t>
-            </a:r>
-          </a:p>
-          <a:p>
-            <a:r>
-              <a:rPr lang="en-US" dirty="0"/>
-              <a:t>Auto-complete City</a:t>
-            </a:r>
-          </a:p>
-          <a:p>
-            <a:r>
-              <a:rPr lang="en-US" dirty="0"/>
-              <a:t>Allow search on zip code</a:t>
-            </a:r>
-          </a:p>
-          <a:p>
-            <a:r>
-              <a:rPr lang="en-US" dirty="0"/>
-              <a:t>Favorite events, activities, restaurants for use in the future</a:t>
-            </a:r>
-          </a:p>
-          <a:p>
-            <a:r>
-              <a:rPr lang="en-US" dirty="0"/>
-              <a:t>Create share link to allow sharing on social media</a:t>
-            </a:r>
-          </a:p>
-          <a:p>
-            <a:endParaRPr lang="en-US" dirty="0"/>
-          </a:p>
-          <a:p>
-            <a:endParaRPr lang="en-US" dirty="0"/>
-          </a:p>
-          <a:p>
-            <a:pPr lvl="1"/>
-            <a:endParaRPr lang="en-US" dirty="0"/>
-          </a:p>
-          <a:p>
-            <a:pPr lvl="1"/>
-            <a:endParaRPr lang="en-US" dirty="0"/>
+            <a:pPr algn="ctr"/>
+            <a:r>
+              <a:rPr lang="en-US" sz="5400" dirty="0"/>
+              <a:t>A Demo of Date Night</a:t>
+            </a:r>
           </a:p>
         </p:txBody>
       </p:sp>
     </p:spTree>
     <p:extLst>
       <p:ext uri="{BB962C8B-B14F-4D97-AF65-F5344CB8AC3E}">
-        <p14:creationId xmlns:p14="http://schemas.microsoft.com/office/powerpoint/2010/main" val="2228193278"/>
+        <p14:creationId xmlns:p14="http://schemas.microsoft.com/office/powerpoint/2010/main" val="3281443286"/>
       </p:ext>
     </p:extLst>
   </p:cSld>
@@ -4926,7 +4934,7 @@
           <a:p>
             <a:r>
               <a:rPr lang="en-US" dirty="0"/>
-              <a:t>Links</a:t>
+              <a:t>Directions for Future Development</a:t>
             </a:r>
           </a:p>
         </p:txBody>
@@ -4955,33 +4963,40 @@
           <a:p>
             <a:r>
               <a:rPr lang="en-US" dirty="0"/>
-              <a:t>Deployed</a:t>
-            </a:r>
-          </a:p>
-          <a:p>
-            <a:pPr lvl="1"/>
-            <a:r>
-              <a:rPr lang="en-US" dirty="0">
-                <a:hlinkClick r:id="rId2"/>
-              </a:rPr>
-              <a:t>https://gehanstedt.github.io/date-night/</a:t>
-            </a:r>
-            <a:endParaRPr lang="en-US" dirty="0"/>
+              <a:t>Formatting Clean-up</a:t>
+            </a:r>
           </a:p>
           <a:p>
             <a:r>
               <a:rPr lang="en-US" dirty="0"/>
-              <a:t>GitHub Repository</a:t>
-            </a:r>
-          </a:p>
-          <a:p>
-            <a:pPr lvl="1"/>
-            <a:r>
-              <a:rPr lang="en-US" dirty="0">
-                <a:hlinkClick r:id="rId3"/>
-              </a:rPr>
-              <a:t>https://github.com/gehanstedt/date-night</a:t>
-            </a:r>
+              <a:t>Add Categories to allow filtering events, activities, restaurants</a:t>
+            </a:r>
+          </a:p>
+          <a:p>
+            <a:r>
+              <a:rPr lang="en-US" dirty="0"/>
+              <a:t>Auto-complete City</a:t>
+            </a:r>
+          </a:p>
+          <a:p>
+            <a:r>
+              <a:rPr lang="en-US" dirty="0"/>
+              <a:t>Allow search on zip code</a:t>
+            </a:r>
+          </a:p>
+          <a:p>
+            <a:r>
+              <a:rPr lang="en-US" dirty="0"/>
+              <a:t>Favorite events, activities, restaurants for use in the future</a:t>
+            </a:r>
+          </a:p>
+          <a:p>
+            <a:r>
+              <a:rPr lang="en-US" dirty="0"/>
+              <a:t>Create share link to allow sharing on social media</a:t>
+            </a:r>
+          </a:p>
+          <a:p>
             <a:endParaRPr lang="en-US" dirty="0"/>
           </a:p>
           <a:p>
@@ -5000,7 +5015,7 @@
     </p:spTree>
     <p:extLst>
       <p:ext uri="{BB962C8B-B14F-4D97-AF65-F5344CB8AC3E}">
-        <p14:creationId xmlns:p14="http://schemas.microsoft.com/office/powerpoint/2010/main" val="362769821"/>
+        <p14:creationId xmlns:p14="http://schemas.microsoft.com/office/powerpoint/2010/main" val="2228193278"/>
       </p:ext>
     </p:extLst>
   </p:cSld>
@@ -5051,8 +5066,35 @@
         </p:nvSpPr>
         <p:spPr>
           <a:xfrm>
-            <a:off x="608012" y="2362200"/>
-            <a:ext cx="10896600" cy="1371600"/>
+            <a:off x="1522413" y="304800"/>
+            <a:ext cx="9144001" cy="762000"/>
+          </a:xfrm>
+        </p:spPr>
+        <p:txBody>
+          <a:bodyPr/>
+          <a:lstStyle/>
+          <a:p>
+            <a:r>
+              <a:rPr lang="en-US" dirty="0"/>
+              <a:t>Links</a:t>
+            </a:r>
+          </a:p>
+        </p:txBody>
+      </p:sp>
+      <p:sp>
+        <p:nvSpPr>
+          <p:cNvPr id="14" name="Content Placeholder 13"/>
+          <p:cNvSpPr>
+            <a:spLocks noGrp="1"/>
+          </p:cNvSpPr>
+          <p:nvPr>
+            <p:ph idx="1"/>
+          </p:nvPr>
+        </p:nvSpPr>
+        <p:spPr>
+          <a:xfrm>
+            <a:off x="1522413" y="1219200"/>
+            <a:ext cx="9134391" cy="5029200"/>
           </a:xfrm>
         </p:spPr>
         <p:txBody>
@@ -5061,18 +5103,54 @@
           </a:bodyPr>
           <a:lstStyle/>
           <a:p>
-            <a:pPr algn="ctr"/>
-            <a:r>
-              <a:rPr lang="en-US" sz="5400" dirty="0"/>
-              <a:t>Questions?</a:t>
-            </a:r>
+            <a:r>
+              <a:rPr lang="en-US" dirty="0"/>
+              <a:t>Deployed</a:t>
+            </a:r>
+          </a:p>
+          <a:p>
+            <a:pPr lvl="1"/>
+            <a:r>
+              <a:rPr lang="en-US" dirty="0">
+                <a:hlinkClick r:id="rId2"/>
+              </a:rPr>
+              <a:t>https://gehanstedt.github.io/date-night/</a:t>
+            </a:r>
+            <a:endParaRPr lang="en-US" dirty="0"/>
+          </a:p>
+          <a:p>
+            <a:r>
+              <a:rPr lang="en-US" dirty="0"/>
+              <a:t>GitHub Repository</a:t>
+            </a:r>
+          </a:p>
+          <a:p>
+            <a:pPr lvl="1"/>
+            <a:r>
+              <a:rPr lang="en-US" dirty="0">
+                <a:hlinkClick r:id="rId3"/>
+              </a:rPr>
+              <a:t>https://github.com/gehanstedt/date-night</a:t>
+            </a:r>
+            <a:endParaRPr lang="en-US" dirty="0"/>
+          </a:p>
+          <a:p>
+            <a:endParaRPr lang="en-US" dirty="0"/>
+          </a:p>
+          <a:p>
+            <a:pPr lvl="1"/>
+            <a:endParaRPr lang="en-US" dirty="0"/>
+          </a:p>
+          <a:p>
+            <a:pPr lvl="1"/>
+            <a:endParaRPr lang="en-US" dirty="0"/>
           </a:p>
         </p:txBody>
       </p:sp>
     </p:spTree>
     <p:extLst>
       <p:ext uri="{BB962C8B-B14F-4D97-AF65-F5344CB8AC3E}">
-        <p14:creationId xmlns:p14="http://schemas.microsoft.com/office/powerpoint/2010/main" val="2792470886"/>
+        <p14:creationId xmlns:p14="http://schemas.microsoft.com/office/powerpoint/2010/main" val="362769821"/>
       </p:ext>
     </p:extLst>
   </p:cSld>

--- a/Presentation/Date Night.pptx
+++ b/Presentation/Date Night.pptx
@@ -12,7 +12,7 @@
   </p:handoutMasterIdLst>
   <p:sldIdLst>
     <p:sldId id="265" r:id="rId2"/>
-    <p:sldId id="328" r:id="rId3"/>
+    <p:sldId id="329" r:id="rId3"/>
     <p:sldId id="310" r:id="rId4"/>
     <p:sldId id="320" r:id="rId5"/>
     <p:sldId id="322" r:id="rId6"/>
@@ -4202,12 +4202,115 @@
           <a:chExt cx="0" cy="0"/>
         </a:xfrm>
       </p:grpSpPr>
+      <p:sp>
+        <p:nvSpPr>
+          <p:cNvPr id="2" name="Title 1">
+            <a:extLst>
+              <a:ext uri="{FF2B5EF4-FFF2-40B4-BE49-F238E27FC236}">
+                <a16:creationId xmlns:a16="http://schemas.microsoft.com/office/drawing/2014/main" id="{C48AEDF8-6134-4199-A011-84C592D1BEA2}"/>
+              </a:ext>
+            </a:extLst>
+          </p:cNvPr>
+          <p:cNvSpPr>
+            <a:spLocks noGrp="1"/>
+          </p:cNvSpPr>
+          <p:nvPr>
+            <p:ph type="title"/>
+          </p:nvPr>
+        </p:nvSpPr>
+        <p:spPr>
+          <a:xfrm>
+            <a:off x="1522413" y="381000"/>
+            <a:ext cx="9144001" cy="762000"/>
+          </a:xfrm>
+        </p:spPr>
+        <p:txBody>
+          <a:bodyPr/>
+          <a:lstStyle/>
+          <a:p>
+            <a:pPr algn="ctr"/>
+            <a:r>
+              <a:rPr lang="en-US" dirty="0"/>
+              <a:t>Overview</a:t>
+            </a:r>
+          </a:p>
+        </p:txBody>
+      </p:sp>
+      <p:sp>
+        <p:nvSpPr>
+          <p:cNvPr id="3" name="Content Placeholder 2">
+            <a:extLst>
+              <a:ext uri="{FF2B5EF4-FFF2-40B4-BE49-F238E27FC236}">
+                <a16:creationId xmlns:a16="http://schemas.microsoft.com/office/drawing/2014/main" id="{3B0C513B-81D6-4963-91E5-8C0ECC2FB04D}"/>
+              </a:ext>
+            </a:extLst>
+          </p:cNvPr>
+          <p:cNvSpPr>
+            <a:spLocks noGrp="1"/>
+          </p:cNvSpPr>
+          <p:nvPr>
+            <p:ph idx="1"/>
+          </p:nvPr>
+        </p:nvSpPr>
+        <p:spPr>
+          <a:xfrm>
+            <a:off x="1141412" y="1713612"/>
+            <a:ext cx="9134391" cy="4114801"/>
+          </a:xfrm>
+        </p:spPr>
+        <p:txBody>
+          <a:bodyPr/>
+          <a:lstStyle/>
+          <a:p>
+            <a:r>
+              <a:rPr lang="en-US" dirty="0"/>
+              <a:t>Introduction</a:t>
+            </a:r>
+          </a:p>
+          <a:p>
+            <a:r>
+              <a:rPr lang="en-US" dirty="0"/>
+              <a:t>Concept</a:t>
+            </a:r>
+          </a:p>
+          <a:p>
+            <a:r>
+              <a:rPr lang="en-US" dirty="0"/>
+              <a:t>Process</a:t>
+            </a:r>
+          </a:p>
+          <a:p>
+            <a:r>
+              <a:rPr lang="en-US" dirty="0"/>
+              <a:t>Demo</a:t>
+            </a:r>
+          </a:p>
+          <a:p>
+            <a:r>
+              <a:rPr lang="en-US" dirty="0"/>
+              <a:t>Future Development</a:t>
+            </a:r>
+          </a:p>
+          <a:p>
+            <a:r>
+              <a:rPr lang="en-US" dirty="0"/>
+              <a:t>Links</a:t>
+            </a:r>
+          </a:p>
+          <a:p>
+            <a:r>
+              <a:rPr lang="en-US" dirty="0"/>
+              <a:t>Questions</a:t>
+            </a:r>
+          </a:p>
+        </p:txBody>
+      </p:sp>
       <p:pic>
         <p:nvPicPr>
-          <p:cNvPr id="7" name="Picture 6">
+          <p:cNvPr id="4" name="Picture 3">
             <a:extLst>
               <a:ext uri="{FF2B5EF4-FFF2-40B4-BE49-F238E27FC236}">
-                <a16:creationId xmlns:a16="http://schemas.microsoft.com/office/drawing/2014/main" id="{68F0FB81-666F-4837-96FE-B42C2B085CBB}"/>
+                <a16:creationId xmlns:a16="http://schemas.microsoft.com/office/drawing/2014/main" id="{6A6819D4-2CFC-4B54-8712-F1422777EC2A}"/>
               </a:ext>
             </a:extLst>
           </p:cNvPr>
@@ -4229,8 +4332,8 @@
         </p:blipFill>
         <p:spPr>
           <a:xfrm>
-            <a:off x="2894012" y="154172"/>
-            <a:ext cx="6400800" cy="6549656"/>
+            <a:off x="6170612" y="1371599"/>
+            <a:ext cx="4689765" cy="4798829"/>
           </a:xfrm>
           <a:prstGeom prst="rect">
             <a:avLst/>
@@ -4240,7 +4343,7 @@
     </p:spTree>
     <p:extLst>
       <p:ext uri="{BB962C8B-B14F-4D97-AF65-F5344CB8AC3E}">
-        <p14:creationId xmlns:p14="http://schemas.microsoft.com/office/powerpoint/2010/main" val="3722817698"/>
+        <p14:creationId xmlns:p14="http://schemas.microsoft.com/office/powerpoint/2010/main" val="560329273"/>
       </p:ext>
     </p:extLst>
   </p:cSld>

--- a/Presentation/Date Night.pptx
+++ b/Presentation/Date Night.pptx
@@ -4433,7 +4433,7 @@
             </a:pPr>
             <a:r>
               <a:rPr lang="en-US" dirty="0"/>
-              <a:t>Links are provided to further explore any of items you see to get further details.</a:t>
+              <a:t>Links are provided to further explore any of the items you see to get further details.</a:t>
             </a:r>
           </a:p>
         </p:txBody>
@@ -4536,7 +4536,7 @@
             <a:pPr lvl="1"/>
             <a:r>
               <a:rPr lang="en-US" dirty="0"/>
-              <a:t>Date Night is a simple web tool that is a personal assistant that uses external APIs to collect information on weather, events, activities and restaurants and presents on a single page.</a:t>
+              <a:t>Date Night is a simple web tool that is a personal assistant that uses external APIs to collect information on weather, events, activities and restaurants and presents it on a single page.</a:t>
             </a:r>
           </a:p>
           <a:p>
@@ -4562,7 +4562,7 @@
             <a:pPr lvl="1"/>
             <a:r>
               <a:rPr lang="en-US" dirty="0"/>
-              <a:t>A user enters a US location and is provided with a summary of weather, restaurants, activities and events.  </a:t>
+              <a:t>A user enters a location and is provided with a summary of weather, restaurants, activities and events in the requested city.  </a:t>
             </a:r>
           </a:p>
           <a:p>
@@ -4664,7 +4664,7 @@
           <a:p>
             <a:r>
               <a:rPr lang="en-US" dirty="0"/>
-              <a:t>Challenges</a:t>
+              <a:t>Technology</a:t>
             </a:r>
           </a:p>
           <a:p>
